--- a/感謝主，讚美主.pptx
+++ b/感謝主，讚美主.pptx
@@ -5,10 +5,13 @@
     <p:sldMasterId id="2147483660" r:id="rId1"/>
   </p:sldMasterIdLst>
   <p:sldIdLst>
-    <p:sldId id="256" r:id="rId2"/>
-    <p:sldId id="257" r:id="rId3"/>
+    <p:sldId id="487" r:id="rId2"/>
+    <p:sldId id="488" r:id="rId3"/>
+    <p:sldId id="489" r:id="rId4"/>
+    <p:sldId id="490" r:id="rId5"/>
+    <p:sldId id="491" r:id="rId6"/>
   </p:sldIdLst>
-  <p:sldSz cx="9144000" cy="6858000" type="screen4x3"/>
+  <p:sldSz cx="12192000" cy="6858000"/>
   <p:notesSz cx="6858000" cy="9144000"/>
   <p:defaultTextStyle>
     <a:defPPr>
@@ -105,6 +108,22 @@
       </a:defRPr>
     </a:lvl9pPr>
   </p:defaultTextStyle>
+  <p:extLst>
+    <p:ext uri="{EFAFB233-063F-42B5-8137-9DF3F51BA10A}">
+      <p15:sldGuideLst xmlns:p15="http://schemas.microsoft.com/office/powerpoint/2012/main">
+        <p15:guide id="1" orient="horz" pos="2160" userDrawn="1">
+          <p15:clr>
+            <a:srgbClr val="A4A3A4"/>
+          </p15:clr>
+        </p15:guide>
+        <p15:guide id="2" pos="3840" userDrawn="1">
+          <p15:clr>
+            <a:srgbClr val="A4A3A4"/>
+          </p15:clr>
+        </p15:guide>
+      </p15:sldGuideLst>
+    </p:ext>
+  </p:extLst>
 </p:presentation>
 </file>
 
@@ -137,8 +156,8 @@
         </p:nvSpPr>
         <p:spPr>
           <a:xfrm>
-            <a:off x="685800" y="2130425"/>
-            <a:ext cx="7772400" cy="1470025"/>
+            <a:off x="914400" y="2130426"/>
+            <a:ext cx="10363200" cy="1470025"/>
           </a:xfrm>
         </p:spPr>
         <p:txBody>
@@ -146,10 +165,9 @@
           <a:lstStyle/>
           <a:p>
             <a:r>
-              <a:rPr lang="zh-TW" altLang="en-US" smtClean="0"/>
+              <a:rPr lang="zh-TW" altLang="en-US"/>
               <a:t>按一下以編輯母片標題樣式</a:t>
             </a:r>
-            <a:endParaRPr lang="zh-TW" altLang="en-US"/>
           </a:p>
         </p:txBody>
       </p:sp>
@@ -165,8 +183,8 @@
         </p:nvSpPr>
         <p:spPr>
           <a:xfrm>
-            <a:off x="1371600" y="3886200"/>
-            <a:ext cx="6400800" cy="1752600"/>
+            <a:off x="1828800" y="3886200"/>
+            <a:ext cx="8534400" cy="1752600"/>
           </a:xfrm>
         </p:spPr>
         <p:txBody>
@@ -265,10 +283,9 @@
           </a:lstStyle>
           <a:p>
             <a:r>
-              <a:rPr lang="zh-TW" altLang="en-US" smtClean="0"/>
+              <a:rPr lang="zh-TW" altLang="en-US"/>
               <a:t>按一下以編輯母片副標題樣式</a:t>
             </a:r>
-            <a:endParaRPr lang="zh-TW" altLang="en-US"/>
           </a:p>
         </p:txBody>
       </p:sp>
@@ -289,7 +306,7 @@
           <a:p>
             <a:fld id="{9D44774B-64E6-45F9-97C0-A80926C3B1B1}" type="datetimeFigureOut">
               <a:rPr lang="zh-TW" altLang="en-US" smtClean="0"/>
-              <a:t>2018/10/13</a:t>
+              <a:t>2024/1/13</a:t>
             </a:fld>
             <a:endParaRPr lang="zh-TW" altLang="en-US"/>
           </a:p>
@@ -378,10 +395,9 @@
           <a:lstStyle/>
           <a:p>
             <a:r>
-              <a:rPr lang="zh-TW" altLang="en-US" smtClean="0"/>
+              <a:rPr lang="zh-TW" altLang="en-US"/>
               <a:t>按一下以編輯母片標題樣式</a:t>
             </a:r>
-            <a:endParaRPr lang="zh-TW" altLang="en-US"/>
           </a:p>
         </p:txBody>
       </p:sp>
@@ -402,38 +418,37 @@
           <a:p>
             <a:pPr lvl="0"/>
             <a:r>
-              <a:rPr lang="zh-TW" altLang="en-US" smtClean="0"/>
+              <a:rPr lang="zh-TW" altLang="en-US"/>
               <a:t>按一下以編輯母片文字樣式</a:t>
             </a:r>
           </a:p>
           <a:p>
             <a:pPr lvl="1"/>
             <a:r>
-              <a:rPr lang="zh-TW" altLang="en-US" smtClean="0"/>
+              <a:rPr lang="zh-TW" altLang="en-US"/>
               <a:t>第二層</a:t>
             </a:r>
           </a:p>
           <a:p>
             <a:pPr lvl="2"/>
             <a:r>
-              <a:rPr lang="zh-TW" altLang="en-US" smtClean="0"/>
+              <a:rPr lang="zh-TW" altLang="en-US"/>
               <a:t>第三層</a:t>
             </a:r>
           </a:p>
           <a:p>
             <a:pPr lvl="3"/>
             <a:r>
-              <a:rPr lang="zh-TW" altLang="en-US" smtClean="0"/>
+              <a:rPr lang="zh-TW" altLang="en-US"/>
               <a:t>第四層</a:t>
             </a:r>
           </a:p>
           <a:p>
             <a:pPr lvl="4"/>
             <a:r>
-              <a:rPr lang="zh-TW" altLang="en-US" smtClean="0"/>
+              <a:rPr lang="zh-TW" altLang="en-US"/>
               <a:t>第五層</a:t>
             </a:r>
-            <a:endParaRPr lang="zh-TW" altLang="en-US"/>
           </a:p>
         </p:txBody>
       </p:sp>
@@ -454,7 +469,7 @@
           <a:p>
             <a:fld id="{9D44774B-64E6-45F9-97C0-A80926C3B1B1}" type="datetimeFigureOut">
               <a:rPr lang="zh-TW" altLang="en-US" smtClean="0"/>
-              <a:t>2018/10/13</a:t>
+              <a:t>2024/1/13</a:t>
             </a:fld>
             <a:endParaRPr lang="zh-TW" altLang="en-US"/>
           </a:p>
@@ -539,8 +554,8 @@
         </p:nvSpPr>
         <p:spPr>
           <a:xfrm>
-            <a:off x="6629400" y="274638"/>
-            <a:ext cx="2057400" cy="5851525"/>
+            <a:off x="8839200" y="274639"/>
+            <a:ext cx="2743200" cy="5851525"/>
           </a:xfrm>
         </p:spPr>
         <p:txBody>
@@ -548,10 +563,9 @@
           <a:lstStyle/>
           <a:p>
             <a:r>
-              <a:rPr lang="zh-TW" altLang="en-US" smtClean="0"/>
+              <a:rPr lang="zh-TW" altLang="en-US"/>
               <a:t>按一下以編輯母片標題樣式</a:t>
             </a:r>
-            <a:endParaRPr lang="zh-TW" altLang="en-US"/>
           </a:p>
         </p:txBody>
       </p:sp>
@@ -567,8 +581,8 @@
         </p:nvSpPr>
         <p:spPr>
           <a:xfrm>
-            <a:off x="457200" y="274638"/>
-            <a:ext cx="6019800" cy="5851525"/>
+            <a:off x="609600" y="274639"/>
+            <a:ext cx="8026400" cy="5851525"/>
           </a:xfrm>
         </p:spPr>
         <p:txBody>
@@ -577,38 +591,37 @@
           <a:p>
             <a:pPr lvl="0"/>
             <a:r>
-              <a:rPr lang="zh-TW" altLang="en-US" smtClean="0"/>
+              <a:rPr lang="zh-TW" altLang="en-US"/>
               <a:t>按一下以編輯母片文字樣式</a:t>
             </a:r>
           </a:p>
           <a:p>
             <a:pPr lvl="1"/>
             <a:r>
-              <a:rPr lang="zh-TW" altLang="en-US" smtClean="0"/>
+              <a:rPr lang="zh-TW" altLang="en-US"/>
               <a:t>第二層</a:t>
             </a:r>
           </a:p>
           <a:p>
             <a:pPr lvl="2"/>
             <a:r>
-              <a:rPr lang="zh-TW" altLang="en-US" smtClean="0"/>
+              <a:rPr lang="zh-TW" altLang="en-US"/>
               <a:t>第三層</a:t>
             </a:r>
           </a:p>
           <a:p>
             <a:pPr lvl="3"/>
             <a:r>
-              <a:rPr lang="zh-TW" altLang="en-US" smtClean="0"/>
+              <a:rPr lang="zh-TW" altLang="en-US"/>
               <a:t>第四層</a:t>
             </a:r>
           </a:p>
           <a:p>
             <a:pPr lvl="4"/>
             <a:r>
-              <a:rPr lang="zh-TW" altLang="en-US" smtClean="0"/>
+              <a:rPr lang="zh-TW" altLang="en-US"/>
               <a:t>第五層</a:t>
             </a:r>
-            <a:endParaRPr lang="zh-TW" altLang="en-US"/>
           </a:p>
         </p:txBody>
       </p:sp>
@@ -629,7 +642,7 @@
           <a:p>
             <a:fld id="{9D44774B-64E6-45F9-97C0-A80926C3B1B1}" type="datetimeFigureOut">
               <a:rPr lang="zh-TW" altLang="en-US" smtClean="0"/>
-              <a:t>2018/10/13</a:t>
+              <a:t>2024/1/13</a:t>
             </a:fld>
             <a:endParaRPr lang="zh-TW" altLang="en-US"/>
           </a:p>
@@ -718,10 +731,9 @@
           <a:lstStyle/>
           <a:p>
             <a:r>
-              <a:rPr lang="zh-TW" altLang="en-US" smtClean="0"/>
+              <a:rPr lang="zh-TW" altLang="en-US"/>
               <a:t>按一下以編輯母片標題樣式</a:t>
             </a:r>
-            <a:endParaRPr lang="zh-TW" altLang="en-US"/>
           </a:p>
         </p:txBody>
       </p:sp>
@@ -742,38 +754,37 @@
           <a:p>
             <a:pPr lvl="0"/>
             <a:r>
-              <a:rPr lang="zh-TW" altLang="en-US" smtClean="0"/>
+              <a:rPr lang="zh-TW" altLang="en-US"/>
               <a:t>按一下以編輯母片文字樣式</a:t>
             </a:r>
           </a:p>
           <a:p>
             <a:pPr lvl="1"/>
             <a:r>
-              <a:rPr lang="zh-TW" altLang="en-US" smtClean="0"/>
+              <a:rPr lang="zh-TW" altLang="en-US"/>
               <a:t>第二層</a:t>
             </a:r>
           </a:p>
           <a:p>
             <a:pPr lvl="2"/>
             <a:r>
-              <a:rPr lang="zh-TW" altLang="en-US" smtClean="0"/>
+              <a:rPr lang="zh-TW" altLang="en-US"/>
               <a:t>第三層</a:t>
             </a:r>
           </a:p>
           <a:p>
             <a:pPr lvl="3"/>
             <a:r>
-              <a:rPr lang="zh-TW" altLang="en-US" smtClean="0"/>
+              <a:rPr lang="zh-TW" altLang="en-US"/>
               <a:t>第四層</a:t>
             </a:r>
           </a:p>
           <a:p>
             <a:pPr lvl="4"/>
             <a:r>
-              <a:rPr lang="zh-TW" altLang="en-US" smtClean="0"/>
+              <a:rPr lang="zh-TW" altLang="en-US"/>
               <a:t>第五層</a:t>
             </a:r>
-            <a:endParaRPr lang="zh-TW" altLang="en-US"/>
           </a:p>
         </p:txBody>
       </p:sp>
@@ -794,7 +805,7 @@
           <a:p>
             <a:fld id="{9D44774B-64E6-45F9-97C0-A80926C3B1B1}" type="datetimeFigureOut">
               <a:rPr lang="zh-TW" altLang="en-US" smtClean="0"/>
-              <a:t>2018/10/13</a:t>
+              <a:t>2024/1/13</a:t>
             </a:fld>
             <a:endParaRPr lang="zh-TW" altLang="en-US"/>
           </a:p>
@@ -879,8 +890,8 @@
         </p:nvSpPr>
         <p:spPr>
           <a:xfrm>
-            <a:off x="722313" y="4406900"/>
-            <a:ext cx="7772400" cy="1362075"/>
+            <a:off x="963084" y="4406901"/>
+            <a:ext cx="10363200" cy="1362075"/>
           </a:xfrm>
         </p:spPr>
         <p:txBody>
@@ -892,10 +903,9 @@
           </a:lstStyle>
           <a:p>
             <a:r>
-              <a:rPr lang="zh-TW" altLang="en-US" smtClean="0"/>
+              <a:rPr lang="zh-TW" altLang="en-US"/>
               <a:t>按一下以編輯母片標題樣式</a:t>
             </a:r>
-            <a:endParaRPr lang="zh-TW" altLang="en-US"/>
           </a:p>
         </p:txBody>
       </p:sp>
@@ -911,8 +921,8 @@
         </p:nvSpPr>
         <p:spPr>
           <a:xfrm>
-            <a:off x="722313" y="2906713"/>
-            <a:ext cx="7772400" cy="1500187"/>
+            <a:off x="963084" y="2906713"/>
+            <a:ext cx="10363200" cy="1500187"/>
           </a:xfrm>
         </p:spPr>
         <p:txBody>
@@ -1012,7 +1022,7 @@
           <a:p>
             <a:pPr lvl="0"/>
             <a:r>
-              <a:rPr lang="zh-TW" altLang="en-US" smtClean="0"/>
+              <a:rPr lang="zh-TW" altLang="en-US"/>
               <a:t>按一下以編輯母片文字樣式</a:t>
             </a:r>
           </a:p>
@@ -1035,7 +1045,7 @@
           <a:p>
             <a:fld id="{9D44774B-64E6-45F9-97C0-A80926C3B1B1}" type="datetimeFigureOut">
               <a:rPr lang="zh-TW" altLang="en-US" smtClean="0"/>
-              <a:t>2018/10/13</a:t>
+              <a:t>2024/1/13</a:t>
             </a:fld>
             <a:endParaRPr lang="zh-TW" altLang="en-US"/>
           </a:p>
@@ -1124,10 +1134,9 @@
           <a:lstStyle/>
           <a:p>
             <a:r>
-              <a:rPr lang="zh-TW" altLang="en-US" smtClean="0"/>
+              <a:rPr lang="zh-TW" altLang="en-US"/>
               <a:t>按一下以編輯母片標題樣式</a:t>
             </a:r>
-            <a:endParaRPr lang="zh-TW" altLang="en-US"/>
           </a:p>
         </p:txBody>
       </p:sp>
@@ -1143,8 +1152,8 @@
         </p:nvSpPr>
         <p:spPr>
           <a:xfrm>
-            <a:off x="457200" y="1600200"/>
-            <a:ext cx="4038600" cy="4525963"/>
+            <a:off x="609600" y="1600201"/>
+            <a:ext cx="5384800" cy="4525963"/>
           </a:xfrm>
         </p:spPr>
         <p:txBody>
@@ -1181,38 +1190,37 @@
           <a:p>
             <a:pPr lvl="0"/>
             <a:r>
-              <a:rPr lang="zh-TW" altLang="en-US" smtClean="0"/>
+              <a:rPr lang="zh-TW" altLang="en-US"/>
               <a:t>按一下以編輯母片文字樣式</a:t>
             </a:r>
           </a:p>
           <a:p>
             <a:pPr lvl="1"/>
             <a:r>
-              <a:rPr lang="zh-TW" altLang="en-US" smtClean="0"/>
+              <a:rPr lang="zh-TW" altLang="en-US"/>
               <a:t>第二層</a:t>
             </a:r>
           </a:p>
           <a:p>
             <a:pPr lvl="2"/>
             <a:r>
-              <a:rPr lang="zh-TW" altLang="en-US" smtClean="0"/>
+              <a:rPr lang="zh-TW" altLang="en-US"/>
               <a:t>第三層</a:t>
             </a:r>
           </a:p>
           <a:p>
             <a:pPr lvl="3"/>
             <a:r>
-              <a:rPr lang="zh-TW" altLang="en-US" smtClean="0"/>
+              <a:rPr lang="zh-TW" altLang="en-US"/>
               <a:t>第四層</a:t>
             </a:r>
           </a:p>
           <a:p>
             <a:pPr lvl="4"/>
             <a:r>
-              <a:rPr lang="zh-TW" altLang="en-US" smtClean="0"/>
+              <a:rPr lang="zh-TW" altLang="en-US"/>
               <a:t>第五層</a:t>
             </a:r>
-            <a:endParaRPr lang="zh-TW" altLang="en-US"/>
           </a:p>
         </p:txBody>
       </p:sp>
@@ -1228,8 +1236,8 @@
         </p:nvSpPr>
         <p:spPr>
           <a:xfrm>
-            <a:off x="4648200" y="1600200"/>
-            <a:ext cx="4038600" cy="4525963"/>
+            <a:off x="6197600" y="1600201"/>
+            <a:ext cx="5384800" cy="4525963"/>
           </a:xfrm>
         </p:spPr>
         <p:txBody>
@@ -1266,38 +1274,37 @@
           <a:p>
             <a:pPr lvl="0"/>
             <a:r>
-              <a:rPr lang="zh-TW" altLang="en-US" smtClean="0"/>
+              <a:rPr lang="zh-TW" altLang="en-US"/>
               <a:t>按一下以編輯母片文字樣式</a:t>
             </a:r>
           </a:p>
           <a:p>
             <a:pPr lvl="1"/>
             <a:r>
-              <a:rPr lang="zh-TW" altLang="en-US" smtClean="0"/>
+              <a:rPr lang="zh-TW" altLang="en-US"/>
               <a:t>第二層</a:t>
             </a:r>
           </a:p>
           <a:p>
             <a:pPr lvl="2"/>
             <a:r>
-              <a:rPr lang="zh-TW" altLang="en-US" smtClean="0"/>
+              <a:rPr lang="zh-TW" altLang="en-US"/>
               <a:t>第三層</a:t>
             </a:r>
           </a:p>
           <a:p>
             <a:pPr lvl="3"/>
             <a:r>
-              <a:rPr lang="zh-TW" altLang="en-US" smtClean="0"/>
+              <a:rPr lang="zh-TW" altLang="en-US"/>
               <a:t>第四層</a:t>
             </a:r>
           </a:p>
           <a:p>
             <a:pPr lvl="4"/>
             <a:r>
-              <a:rPr lang="zh-TW" altLang="en-US" smtClean="0"/>
+              <a:rPr lang="zh-TW" altLang="en-US"/>
               <a:t>第五層</a:t>
             </a:r>
-            <a:endParaRPr lang="zh-TW" altLang="en-US"/>
           </a:p>
         </p:txBody>
       </p:sp>
@@ -1318,7 +1325,7 @@
           <a:p>
             <a:fld id="{9D44774B-64E6-45F9-97C0-A80926C3B1B1}" type="datetimeFigureOut">
               <a:rPr lang="zh-TW" altLang="en-US" smtClean="0"/>
-              <a:t>2018/10/13</a:t>
+              <a:t>2024/1/13</a:t>
             </a:fld>
             <a:endParaRPr lang="zh-TW" altLang="en-US"/>
           </a:p>
@@ -1411,10 +1418,9 @@
           </a:lstStyle>
           <a:p>
             <a:r>
-              <a:rPr lang="zh-TW" altLang="en-US" smtClean="0"/>
+              <a:rPr lang="zh-TW" altLang="en-US"/>
               <a:t>按一下以編輯母片標題樣式</a:t>
             </a:r>
-            <a:endParaRPr lang="zh-TW" altLang="en-US"/>
           </a:p>
         </p:txBody>
       </p:sp>
@@ -1430,8 +1436,8 @@
         </p:nvSpPr>
         <p:spPr>
           <a:xfrm>
-            <a:off x="457200" y="1535113"/>
-            <a:ext cx="4040188" cy="639762"/>
+            <a:off x="609600" y="1535113"/>
+            <a:ext cx="5386917" cy="639762"/>
           </a:xfrm>
         </p:spPr>
         <p:txBody>
@@ -1477,7 +1483,7 @@
           <a:p>
             <a:pPr lvl="0"/>
             <a:r>
-              <a:rPr lang="zh-TW" altLang="en-US" smtClean="0"/>
+              <a:rPr lang="zh-TW" altLang="en-US"/>
               <a:t>按一下以編輯母片文字樣式</a:t>
             </a:r>
           </a:p>
@@ -1495,8 +1501,8 @@
         </p:nvSpPr>
         <p:spPr>
           <a:xfrm>
-            <a:off x="457200" y="2174875"/>
-            <a:ext cx="4040188" cy="3951288"/>
+            <a:off x="609600" y="2174875"/>
+            <a:ext cx="5386917" cy="3951288"/>
           </a:xfrm>
         </p:spPr>
         <p:txBody>
@@ -1533,38 +1539,37 @@
           <a:p>
             <a:pPr lvl="0"/>
             <a:r>
-              <a:rPr lang="zh-TW" altLang="en-US" smtClean="0"/>
+              <a:rPr lang="zh-TW" altLang="en-US"/>
               <a:t>按一下以編輯母片文字樣式</a:t>
             </a:r>
           </a:p>
           <a:p>
             <a:pPr lvl="1"/>
             <a:r>
-              <a:rPr lang="zh-TW" altLang="en-US" smtClean="0"/>
+              <a:rPr lang="zh-TW" altLang="en-US"/>
               <a:t>第二層</a:t>
             </a:r>
           </a:p>
           <a:p>
             <a:pPr lvl="2"/>
             <a:r>
-              <a:rPr lang="zh-TW" altLang="en-US" smtClean="0"/>
+              <a:rPr lang="zh-TW" altLang="en-US"/>
               <a:t>第三層</a:t>
             </a:r>
           </a:p>
           <a:p>
             <a:pPr lvl="3"/>
             <a:r>
-              <a:rPr lang="zh-TW" altLang="en-US" smtClean="0"/>
+              <a:rPr lang="zh-TW" altLang="en-US"/>
               <a:t>第四層</a:t>
             </a:r>
           </a:p>
           <a:p>
             <a:pPr lvl="4"/>
             <a:r>
-              <a:rPr lang="zh-TW" altLang="en-US" smtClean="0"/>
+              <a:rPr lang="zh-TW" altLang="en-US"/>
               <a:t>第五層</a:t>
             </a:r>
-            <a:endParaRPr lang="zh-TW" altLang="en-US"/>
           </a:p>
         </p:txBody>
       </p:sp>
@@ -1580,8 +1585,8 @@
         </p:nvSpPr>
         <p:spPr>
           <a:xfrm>
-            <a:off x="4645025" y="1535113"/>
-            <a:ext cx="4041775" cy="639762"/>
+            <a:off x="6193368" y="1535113"/>
+            <a:ext cx="5389033" cy="639762"/>
           </a:xfrm>
         </p:spPr>
         <p:txBody>
@@ -1627,7 +1632,7 @@
           <a:p>
             <a:pPr lvl="0"/>
             <a:r>
-              <a:rPr lang="zh-TW" altLang="en-US" smtClean="0"/>
+              <a:rPr lang="zh-TW" altLang="en-US"/>
               <a:t>按一下以編輯母片文字樣式</a:t>
             </a:r>
           </a:p>
@@ -1645,8 +1650,8 @@
         </p:nvSpPr>
         <p:spPr>
           <a:xfrm>
-            <a:off x="4645025" y="2174875"/>
-            <a:ext cx="4041775" cy="3951288"/>
+            <a:off x="6193368" y="2174875"/>
+            <a:ext cx="5389033" cy="3951288"/>
           </a:xfrm>
         </p:spPr>
         <p:txBody>
@@ -1683,38 +1688,37 @@
           <a:p>
             <a:pPr lvl="0"/>
             <a:r>
-              <a:rPr lang="zh-TW" altLang="en-US" smtClean="0"/>
+              <a:rPr lang="zh-TW" altLang="en-US"/>
               <a:t>按一下以編輯母片文字樣式</a:t>
             </a:r>
           </a:p>
           <a:p>
             <a:pPr lvl="1"/>
             <a:r>
-              <a:rPr lang="zh-TW" altLang="en-US" smtClean="0"/>
+              <a:rPr lang="zh-TW" altLang="en-US"/>
               <a:t>第二層</a:t>
             </a:r>
           </a:p>
           <a:p>
             <a:pPr lvl="2"/>
             <a:r>
-              <a:rPr lang="zh-TW" altLang="en-US" smtClean="0"/>
+              <a:rPr lang="zh-TW" altLang="en-US"/>
               <a:t>第三層</a:t>
             </a:r>
           </a:p>
           <a:p>
             <a:pPr lvl="3"/>
             <a:r>
-              <a:rPr lang="zh-TW" altLang="en-US" smtClean="0"/>
+              <a:rPr lang="zh-TW" altLang="en-US"/>
               <a:t>第四層</a:t>
             </a:r>
           </a:p>
           <a:p>
             <a:pPr lvl="4"/>
             <a:r>
-              <a:rPr lang="zh-TW" altLang="en-US" smtClean="0"/>
+              <a:rPr lang="zh-TW" altLang="en-US"/>
               <a:t>第五層</a:t>
             </a:r>
-            <a:endParaRPr lang="zh-TW" altLang="en-US"/>
           </a:p>
         </p:txBody>
       </p:sp>
@@ -1735,7 +1739,7 @@
           <a:p>
             <a:fld id="{9D44774B-64E6-45F9-97C0-A80926C3B1B1}" type="datetimeFigureOut">
               <a:rPr lang="zh-TW" altLang="en-US" smtClean="0"/>
-              <a:t>2018/10/13</a:t>
+              <a:t>2024/1/13</a:t>
             </a:fld>
             <a:endParaRPr lang="zh-TW" altLang="en-US"/>
           </a:p>
@@ -1824,10 +1828,9 @@
           <a:lstStyle/>
           <a:p>
             <a:r>
-              <a:rPr lang="zh-TW" altLang="en-US" smtClean="0"/>
+              <a:rPr lang="zh-TW" altLang="en-US"/>
               <a:t>按一下以編輯母片標題樣式</a:t>
             </a:r>
-            <a:endParaRPr lang="zh-TW" altLang="en-US"/>
           </a:p>
         </p:txBody>
       </p:sp>
@@ -1848,7 +1851,7 @@
           <a:p>
             <a:fld id="{9D44774B-64E6-45F9-97C0-A80926C3B1B1}" type="datetimeFigureOut">
               <a:rPr lang="zh-TW" altLang="en-US" smtClean="0"/>
-              <a:t>2018/10/13</a:t>
+              <a:t>2024/1/13</a:t>
             </a:fld>
             <a:endParaRPr lang="zh-TW" altLang="en-US"/>
           </a:p>
@@ -1938,7 +1941,7 @@
           <a:p>
             <a:fld id="{9D44774B-64E6-45F9-97C0-A80926C3B1B1}" type="datetimeFigureOut">
               <a:rPr lang="zh-TW" altLang="en-US" smtClean="0"/>
-              <a:t>2018/10/13</a:t>
+              <a:t>2024/1/13</a:t>
             </a:fld>
             <a:endParaRPr lang="zh-TW" altLang="en-US"/>
           </a:p>
@@ -2023,8 +2026,8 @@
         </p:nvSpPr>
         <p:spPr>
           <a:xfrm>
-            <a:off x="457200" y="273050"/>
-            <a:ext cx="3008313" cy="1162050"/>
+            <a:off x="609601" y="273050"/>
+            <a:ext cx="4011084" cy="1162050"/>
           </a:xfrm>
         </p:spPr>
         <p:txBody>
@@ -2036,10 +2039,9 @@
           </a:lstStyle>
           <a:p>
             <a:r>
-              <a:rPr lang="zh-TW" altLang="en-US" smtClean="0"/>
+              <a:rPr lang="zh-TW" altLang="en-US"/>
               <a:t>按一下以編輯母片標題樣式</a:t>
             </a:r>
-            <a:endParaRPr lang="zh-TW" altLang="en-US"/>
           </a:p>
         </p:txBody>
       </p:sp>
@@ -2055,8 +2057,8 @@
         </p:nvSpPr>
         <p:spPr>
           <a:xfrm>
-            <a:off x="3575050" y="273050"/>
-            <a:ext cx="5111750" cy="5853113"/>
+            <a:off x="4766733" y="273051"/>
+            <a:ext cx="6815667" cy="5853113"/>
           </a:xfrm>
         </p:spPr>
         <p:txBody>
@@ -2093,38 +2095,37 @@
           <a:p>
             <a:pPr lvl="0"/>
             <a:r>
-              <a:rPr lang="zh-TW" altLang="en-US" smtClean="0"/>
+              <a:rPr lang="zh-TW" altLang="en-US"/>
               <a:t>按一下以編輯母片文字樣式</a:t>
             </a:r>
           </a:p>
           <a:p>
             <a:pPr lvl="1"/>
             <a:r>
-              <a:rPr lang="zh-TW" altLang="en-US" smtClean="0"/>
+              <a:rPr lang="zh-TW" altLang="en-US"/>
               <a:t>第二層</a:t>
             </a:r>
           </a:p>
           <a:p>
             <a:pPr lvl="2"/>
             <a:r>
-              <a:rPr lang="zh-TW" altLang="en-US" smtClean="0"/>
+              <a:rPr lang="zh-TW" altLang="en-US"/>
               <a:t>第三層</a:t>
             </a:r>
           </a:p>
           <a:p>
             <a:pPr lvl="3"/>
             <a:r>
-              <a:rPr lang="zh-TW" altLang="en-US" smtClean="0"/>
+              <a:rPr lang="zh-TW" altLang="en-US"/>
               <a:t>第四層</a:t>
             </a:r>
           </a:p>
           <a:p>
             <a:pPr lvl="4"/>
             <a:r>
-              <a:rPr lang="zh-TW" altLang="en-US" smtClean="0"/>
+              <a:rPr lang="zh-TW" altLang="en-US"/>
               <a:t>第五層</a:t>
             </a:r>
-            <a:endParaRPr lang="zh-TW" altLang="en-US"/>
           </a:p>
         </p:txBody>
       </p:sp>
@@ -2140,8 +2141,8 @@
         </p:nvSpPr>
         <p:spPr>
           <a:xfrm>
-            <a:off x="457200" y="1435100"/>
-            <a:ext cx="3008313" cy="4691063"/>
+            <a:off x="609601" y="1435101"/>
+            <a:ext cx="4011084" cy="4691063"/>
           </a:xfrm>
         </p:spPr>
         <p:txBody>
@@ -2187,7 +2188,7 @@
           <a:p>
             <a:pPr lvl="0"/>
             <a:r>
-              <a:rPr lang="zh-TW" altLang="en-US" smtClean="0"/>
+              <a:rPr lang="zh-TW" altLang="en-US"/>
               <a:t>按一下以編輯母片文字樣式</a:t>
             </a:r>
           </a:p>
@@ -2210,7 +2211,7 @@
           <a:p>
             <a:fld id="{9D44774B-64E6-45F9-97C0-A80926C3B1B1}" type="datetimeFigureOut">
               <a:rPr lang="zh-TW" altLang="en-US" smtClean="0"/>
-              <a:t>2018/10/13</a:t>
+              <a:t>2024/1/13</a:t>
             </a:fld>
             <a:endParaRPr lang="zh-TW" altLang="en-US"/>
           </a:p>
@@ -2295,8 +2296,8 @@
         </p:nvSpPr>
         <p:spPr>
           <a:xfrm>
-            <a:off x="1792288" y="4800600"/>
-            <a:ext cx="5486400" cy="566738"/>
+            <a:off x="2389717" y="4800600"/>
+            <a:ext cx="7315200" cy="566738"/>
           </a:xfrm>
         </p:spPr>
         <p:txBody>
@@ -2308,10 +2309,9 @@
           </a:lstStyle>
           <a:p>
             <a:r>
-              <a:rPr lang="zh-TW" altLang="en-US" smtClean="0"/>
+              <a:rPr lang="zh-TW" altLang="en-US"/>
               <a:t>按一下以編輯母片標題樣式</a:t>
             </a:r>
-            <a:endParaRPr lang="zh-TW" altLang="en-US"/>
           </a:p>
         </p:txBody>
       </p:sp>
@@ -2327,8 +2327,8 @@
         </p:nvSpPr>
         <p:spPr>
           <a:xfrm>
-            <a:off x="1792288" y="612775"/>
-            <a:ext cx="5486400" cy="4114800"/>
+            <a:off x="2389717" y="612775"/>
+            <a:ext cx="7315200" cy="4114800"/>
           </a:xfrm>
         </p:spPr>
         <p:txBody>
@@ -2373,10 +2373,9 @@
           </a:lstStyle>
           <a:p>
             <a:r>
-              <a:rPr lang="zh-TW" altLang="en-US" smtClean="0"/>
+              <a:rPr lang="zh-TW" altLang="en-US"/>
               <a:t>按一下圖示以新增圖片</a:t>
             </a:r>
-            <a:endParaRPr lang="zh-TW" altLang="en-US"/>
           </a:p>
         </p:txBody>
       </p:sp>
@@ -2392,8 +2391,8 @@
         </p:nvSpPr>
         <p:spPr>
           <a:xfrm>
-            <a:off x="1792288" y="5367338"/>
-            <a:ext cx="5486400" cy="804862"/>
+            <a:off x="2389717" y="5367338"/>
+            <a:ext cx="7315200" cy="804862"/>
           </a:xfrm>
         </p:spPr>
         <p:txBody>
@@ -2439,7 +2438,7 @@
           <a:p>
             <a:pPr lvl="0"/>
             <a:r>
-              <a:rPr lang="zh-TW" altLang="en-US" smtClean="0"/>
+              <a:rPr lang="zh-TW" altLang="en-US"/>
               <a:t>按一下以編輯母片文字樣式</a:t>
             </a:r>
           </a:p>
@@ -2462,7 +2461,7 @@
           <a:p>
             <a:fld id="{9D44774B-64E6-45F9-97C0-A80926C3B1B1}" type="datetimeFigureOut">
               <a:rPr lang="zh-TW" altLang="en-US" smtClean="0"/>
-              <a:t>2018/10/13</a:t>
+              <a:t>2024/1/13</a:t>
             </a:fld>
             <a:endParaRPr lang="zh-TW" altLang="en-US"/>
           </a:p>
@@ -2557,8 +2556,8 @@
         </p:nvSpPr>
         <p:spPr>
           <a:xfrm>
-            <a:off x="457200" y="274638"/>
-            <a:ext cx="8229600" cy="1143000"/>
+            <a:off x="609600" y="274638"/>
+            <a:ext cx="10972800" cy="1143000"/>
           </a:xfrm>
           <a:prstGeom prst="rect">
             <a:avLst/>
@@ -2571,10 +2570,9 @@
           <a:lstStyle/>
           <a:p>
             <a:r>
-              <a:rPr lang="zh-TW" altLang="en-US" smtClean="0"/>
+              <a:rPr lang="zh-TW" altLang="en-US"/>
               <a:t>按一下以編輯母片標題樣式</a:t>
             </a:r>
-            <a:endParaRPr lang="zh-TW" altLang="en-US"/>
           </a:p>
         </p:txBody>
       </p:sp>
@@ -2590,8 +2588,8 @@
         </p:nvSpPr>
         <p:spPr>
           <a:xfrm>
-            <a:off x="457200" y="1600200"/>
-            <a:ext cx="8229600" cy="4525963"/>
+            <a:off x="609600" y="1600201"/>
+            <a:ext cx="10972800" cy="4525963"/>
           </a:xfrm>
           <a:prstGeom prst="rect">
             <a:avLst/>
@@ -2605,38 +2603,37 @@
           <a:p>
             <a:pPr lvl="0"/>
             <a:r>
-              <a:rPr lang="zh-TW" altLang="en-US" smtClean="0"/>
+              <a:rPr lang="zh-TW" altLang="en-US"/>
               <a:t>按一下以編輯母片文字樣式</a:t>
             </a:r>
           </a:p>
           <a:p>
             <a:pPr lvl="1"/>
             <a:r>
-              <a:rPr lang="zh-TW" altLang="en-US" smtClean="0"/>
+              <a:rPr lang="zh-TW" altLang="en-US"/>
               <a:t>第二層</a:t>
             </a:r>
           </a:p>
           <a:p>
             <a:pPr lvl="2"/>
             <a:r>
-              <a:rPr lang="zh-TW" altLang="en-US" smtClean="0"/>
+              <a:rPr lang="zh-TW" altLang="en-US"/>
               <a:t>第三層</a:t>
             </a:r>
           </a:p>
           <a:p>
             <a:pPr lvl="3"/>
             <a:r>
-              <a:rPr lang="zh-TW" altLang="en-US" smtClean="0"/>
+              <a:rPr lang="zh-TW" altLang="en-US"/>
               <a:t>第四層</a:t>
             </a:r>
           </a:p>
           <a:p>
             <a:pPr lvl="4"/>
             <a:r>
-              <a:rPr lang="zh-TW" altLang="en-US" smtClean="0"/>
+              <a:rPr lang="zh-TW" altLang="en-US"/>
               <a:t>第五層</a:t>
             </a:r>
-            <a:endParaRPr lang="zh-TW" altLang="en-US"/>
           </a:p>
         </p:txBody>
       </p:sp>
@@ -2652,8 +2649,8 @@
         </p:nvSpPr>
         <p:spPr>
           <a:xfrm>
-            <a:off x="457200" y="6356350"/>
-            <a:ext cx="2133600" cy="365125"/>
+            <a:off x="609600" y="6356351"/>
+            <a:ext cx="2844800" cy="365125"/>
           </a:xfrm>
           <a:prstGeom prst="rect">
             <a:avLst/>
@@ -2675,7 +2672,7 @@
           <a:p>
             <a:fld id="{9D44774B-64E6-45F9-97C0-A80926C3B1B1}" type="datetimeFigureOut">
               <a:rPr lang="zh-TW" altLang="en-US" smtClean="0"/>
-              <a:t>2018/10/13</a:t>
+              <a:t>2024/1/13</a:t>
             </a:fld>
             <a:endParaRPr lang="zh-TW" altLang="en-US"/>
           </a:p>
@@ -2693,8 +2690,8 @@
         </p:nvSpPr>
         <p:spPr>
           <a:xfrm>
-            <a:off x="3124200" y="6356350"/>
-            <a:ext cx="2895600" cy="365125"/>
+            <a:off x="4165600" y="6356351"/>
+            <a:ext cx="3860800" cy="365125"/>
           </a:xfrm>
           <a:prstGeom prst="rect">
             <a:avLst/>
@@ -2730,8 +2727,8 @@
         </p:nvSpPr>
         <p:spPr>
           <a:xfrm>
-            <a:off x="6553200" y="6356350"/>
-            <a:ext cx="2133600" cy="365125"/>
+            <a:off x="8737600" y="6356351"/>
+            <a:ext cx="2844800" cy="365125"/>
           </a:xfrm>
           <a:prstGeom prst="rect">
             <a:avLst/>
@@ -3055,151 +3052,46 @@
             <p:ph type="title"/>
           </p:nvPr>
         </p:nvSpPr>
-        <p:spPr/>
-        <p:txBody>
-          <a:bodyPr/>
-          <a:lstStyle/>
-          <a:p>
-            <a:r>
-              <a:rPr lang="zh-CN" altLang="en-US" b="1" dirty="0" smtClean="0">
+        <p:spPr>
+          <a:xfrm>
+            <a:off x="0" y="2660915"/>
+            <a:ext cx="12192000" cy="1143000"/>
+          </a:xfrm>
+        </p:spPr>
+        <p:txBody>
+          <a:bodyPr>
+            <a:noAutofit/>
+          </a:bodyPr>
+          <a:lstStyle/>
+          <a:p>
+            <a:r>
+              <a:rPr lang="zh-CN" altLang="en-US" sz="7200" b="1" i="1" dirty="0">
                 <a:solidFill>
                   <a:srgbClr val="660033"/>
                 </a:solidFill>
+                <a:effectLst>
+                  <a:outerShdw blurRad="38100" dist="38100" dir="2700000" algn="tl">
+                    <a:srgbClr val="000000">
+                      <a:alpha val="43137"/>
+                    </a:srgbClr>
+                  </a:outerShdw>
+                </a:effectLst>
                 <a:latin typeface="微軟正黑體" pitchFamily="34" charset="-120"/>
                 <a:ea typeface="微軟正黑體" pitchFamily="34" charset="-120"/>
               </a:rPr>
-              <a:t>感謝主，讚美主</a:t>
-            </a:r>
-            <a:endParaRPr lang="zh-TW" altLang="en-US" b="1" dirty="0">
+              <a:t>感謝主  讚美主</a:t>
+            </a:r>
+            <a:endParaRPr lang="zh-TW" altLang="en-US" sz="7200" b="1" i="1" dirty="0">
               <a:solidFill>
                 <a:srgbClr val="660033"/>
               </a:solidFill>
-              <a:latin typeface="微軟正黑體" pitchFamily="34" charset="-120"/>
-              <a:ea typeface="微軟正黑體" pitchFamily="34" charset="-120"/>
-            </a:endParaRPr>
-          </a:p>
-        </p:txBody>
-      </p:sp>
-      <p:sp>
-        <p:nvSpPr>
-          <p:cNvPr id="5" name="內容版面配置區 4"/>
-          <p:cNvSpPr>
-            <a:spLocks noGrp="1"/>
-          </p:cNvSpPr>
-          <p:nvPr>
-            <p:ph idx="1"/>
-          </p:nvPr>
-        </p:nvSpPr>
-        <p:spPr/>
-        <p:txBody>
-          <a:bodyPr>
-            <a:normAutofit/>
-          </a:bodyPr>
-          <a:lstStyle/>
-          <a:p>
-            <a:pPr algn="ctr">
-              <a:buNone/>
-            </a:pPr>
-            <a:r>
-              <a:rPr lang="zh-CN" altLang="en-US" sz="5400" b="1" dirty="0" smtClean="0">
-                <a:solidFill>
-                  <a:srgbClr val="660033"/>
-                </a:solidFill>
-                <a:latin typeface="微軟正黑體" pitchFamily="34" charset="-120"/>
-                <a:ea typeface="微軟正黑體" pitchFamily="34" charset="-120"/>
-              </a:rPr>
-              <a:t>每日歡喜唱詩讚美主</a:t>
-            </a:r>
-            <a:endParaRPr lang="en-US" altLang="zh-CN" sz="5400" b="1" dirty="0" smtClean="0">
-              <a:solidFill>
-                <a:srgbClr val="660033"/>
-              </a:solidFill>
-              <a:latin typeface="微軟正黑體" pitchFamily="34" charset="-120"/>
-              <a:ea typeface="微軟正黑體" pitchFamily="34" charset="-120"/>
-            </a:endParaRPr>
-          </a:p>
-          <a:p>
-            <a:pPr algn="ctr">
-              <a:buNone/>
-            </a:pPr>
-            <a:r>
-              <a:rPr lang="zh-CN" altLang="en-US" sz="5400" b="1" dirty="0" smtClean="0">
-                <a:solidFill>
-                  <a:srgbClr val="660033"/>
-                </a:solidFill>
-                <a:latin typeface="微軟正黑體" pitchFamily="34" charset="-120"/>
-                <a:ea typeface="微軟正黑體" pitchFamily="34" charset="-120"/>
-              </a:rPr>
-              <a:t>過</a:t>
-            </a:r>
-            <a:r>
-              <a:rPr lang="zh-CN" altLang="en-US" sz="5400" b="1" dirty="0" smtClean="0">
-                <a:solidFill>
-                  <a:srgbClr val="660033"/>
-                </a:solidFill>
-                <a:latin typeface="微軟正黑體" pitchFamily="34" charset="-120"/>
-                <a:ea typeface="微軟正黑體" pitchFamily="34" charset="-120"/>
-              </a:rPr>
-              <a:t>著豐盛喜樂的人生</a:t>
-            </a:r>
-            <a:endParaRPr lang="en-US" altLang="zh-CN" sz="5400" b="1" dirty="0" smtClean="0">
-              <a:solidFill>
-                <a:srgbClr val="660033"/>
-              </a:solidFill>
-              <a:latin typeface="微軟正黑體" pitchFamily="34" charset="-120"/>
-              <a:ea typeface="微軟正黑體" pitchFamily="34" charset="-120"/>
-            </a:endParaRPr>
-          </a:p>
-          <a:p>
-            <a:pPr algn="ctr">
-              <a:buNone/>
-            </a:pPr>
-            <a:r>
-              <a:rPr lang="zh-CN" altLang="en-US" sz="5400" b="1" dirty="0" smtClean="0">
-                <a:solidFill>
-                  <a:srgbClr val="660033"/>
-                </a:solidFill>
-                <a:latin typeface="微軟正黑體" pitchFamily="34" charset="-120"/>
-                <a:ea typeface="微軟正黑體" pitchFamily="34" charset="-120"/>
-              </a:rPr>
-              <a:t>每日歡喜祈禱感謝主</a:t>
-            </a:r>
-            <a:endParaRPr lang="en-US" altLang="zh-CN" sz="5400" b="1" dirty="0" smtClean="0">
-              <a:solidFill>
-                <a:srgbClr val="660033"/>
-              </a:solidFill>
-              <a:latin typeface="微軟正黑體" pitchFamily="34" charset="-120"/>
-              <a:ea typeface="微軟正黑體" pitchFamily="34" charset="-120"/>
-            </a:endParaRPr>
-          </a:p>
-          <a:p>
-            <a:pPr algn="ctr">
-              <a:buNone/>
-            </a:pPr>
-            <a:r>
-              <a:rPr lang="zh-CN" altLang="en-US" sz="5400" b="1" dirty="0" smtClean="0">
-                <a:solidFill>
-                  <a:srgbClr val="660033"/>
-                </a:solidFill>
-                <a:latin typeface="微軟正黑體" pitchFamily="34" charset="-120"/>
-                <a:ea typeface="微軟正黑體" pitchFamily="34" charset="-120"/>
-              </a:rPr>
-              <a:t>過</a:t>
-            </a:r>
-            <a:r>
-              <a:rPr lang="zh-CN" altLang="en-US" sz="5400" b="1" dirty="0" smtClean="0">
-                <a:solidFill>
-                  <a:srgbClr val="660033"/>
-                </a:solidFill>
-                <a:latin typeface="微軟正黑體" pitchFamily="34" charset="-120"/>
-                <a:ea typeface="微軟正黑體" pitchFamily="34" charset="-120"/>
-              </a:rPr>
-              <a:t>著平安得勝的日子</a:t>
-            </a:r>
-            <a:endParaRPr lang="zh-TW" altLang="en-US" sz="5400" b="1" dirty="0">
-              <a:solidFill>
-                <a:srgbClr val="660033"/>
-              </a:solidFill>
+              <a:effectLst>
+                <a:outerShdw blurRad="38100" dist="38100" dir="2700000" algn="tl">
+                  <a:srgbClr val="000000">
+                    <a:alpha val="43137"/>
+                  </a:srgbClr>
+                </a:outerShdw>
+              </a:effectLst>
               <a:latin typeface="微軟正黑體" pitchFamily="34" charset="-120"/>
               <a:ea typeface="微軟正黑體" pitchFamily="34" charset="-120"/>
             </a:endParaRPr>
@@ -3233,30 +3125,40 @@
       </p:grpSpPr>
       <p:sp>
         <p:nvSpPr>
-          <p:cNvPr id="4" name="標題 3"/>
-          <p:cNvSpPr>
-            <a:spLocks noGrp="1"/>
-          </p:cNvSpPr>
-          <p:nvPr>
-            <p:ph type="title"/>
-          </p:nvPr>
-        </p:nvSpPr>
-        <p:spPr/>
-        <p:txBody>
-          <a:bodyPr/>
-          <a:lstStyle/>
-          <a:p>
-            <a:r>
-              <a:rPr lang="zh-CN" altLang="en-US" b="1" dirty="0" smtClean="0">
+          <p:cNvPr id="5" name="內容版面配置區 4"/>
+          <p:cNvSpPr>
+            <a:spLocks noGrp="1"/>
+          </p:cNvSpPr>
+          <p:nvPr>
+            <p:ph idx="1"/>
+          </p:nvPr>
+        </p:nvSpPr>
+        <p:spPr>
+          <a:xfrm>
+            <a:off x="0" y="2084851"/>
+            <a:ext cx="12192000" cy="2404863"/>
+          </a:xfrm>
+        </p:spPr>
+        <p:txBody>
+          <a:bodyPr anchor="ctr">
+            <a:normAutofit/>
+          </a:bodyPr>
+          <a:lstStyle/>
+          <a:p>
+            <a:pPr algn="ctr">
+              <a:buNone/>
+            </a:pPr>
+            <a:r>
+              <a:rPr lang="zh-CN" altLang="en-US" sz="6400" b="1" dirty="0">
                 <a:solidFill>
                   <a:srgbClr val="660033"/>
                 </a:solidFill>
                 <a:latin typeface="微軟正黑體" pitchFamily="34" charset="-120"/>
                 <a:ea typeface="微軟正黑體" pitchFamily="34" charset="-120"/>
               </a:rPr>
-              <a:t>感謝主，讚美主</a:t>
-            </a:r>
-            <a:endParaRPr lang="zh-TW" altLang="en-US" b="1" dirty="0">
+              <a:t>每日歡喜唱詩讚美主</a:t>
+            </a:r>
+            <a:endParaRPr lang="en-US" altLang="zh-CN" sz="6400" b="1" dirty="0">
               <a:solidFill>
                 <a:srgbClr val="660033"/>
               </a:solidFill>
@@ -3264,8 +3166,55 @@
               <a:ea typeface="微軟正黑體" pitchFamily="34" charset="-120"/>
             </a:endParaRPr>
           </a:p>
-        </p:txBody>
-      </p:sp>
+          <a:p>
+            <a:pPr algn="ctr">
+              <a:buNone/>
+            </a:pPr>
+            <a:r>
+              <a:rPr lang="zh-CN" altLang="en-US" sz="6400" b="1" dirty="0">
+                <a:solidFill>
+                  <a:srgbClr val="660033"/>
+                </a:solidFill>
+                <a:latin typeface="微軟正黑體" pitchFamily="34" charset="-120"/>
+                <a:ea typeface="微軟正黑體" pitchFamily="34" charset="-120"/>
+              </a:rPr>
+              <a:t>過著豐盛喜樂的人生</a:t>
+            </a:r>
+            <a:endParaRPr lang="en-US" altLang="zh-CN" sz="6400" b="1" dirty="0">
+              <a:solidFill>
+                <a:srgbClr val="660033"/>
+              </a:solidFill>
+              <a:latin typeface="微軟正黑體" pitchFamily="34" charset="-120"/>
+              <a:ea typeface="微軟正黑體" pitchFamily="34" charset="-120"/>
+            </a:endParaRPr>
+          </a:p>
+        </p:txBody>
+      </p:sp>
+    </p:spTree>
+  </p:cSld>
+  <p:clrMapOvr>
+    <a:masterClrMapping/>
+  </p:clrMapOvr>
+</p:sld>
+</file>
+
+<file path=ppt/slides/slide3.xml><?xml version="1.0" encoding="utf-8"?>
+<p:sld xmlns:a="http://schemas.openxmlformats.org/drawingml/2006/main" xmlns:r="http://schemas.openxmlformats.org/officeDocument/2006/relationships" xmlns:p="http://schemas.openxmlformats.org/presentationml/2006/main">
+  <p:cSld>
+    <p:spTree>
+      <p:nvGrpSpPr>
+        <p:cNvPr id="1" name=""/>
+        <p:cNvGrpSpPr/>
+        <p:nvPr/>
+      </p:nvGrpSpPr>
+      <p:grpSpPr>
+        <a:xfrm>
+          <a:off x="0" y="0"/>
+          <a:ext cx="0" cy="0"/>
+          <a:chOff x="0" y="0"/>
+          <a:chExt cx="0" cy="0"/>
+        </a:xfrm>
+      </p:grpSpPr>
       <p:sp>
         <p:nvSpPr>
           <p:cNvPr id="5" name="內容版面配置區 4"/>
@@ -3276,9 +3225,14 @@
             <p:ph idx="1"/>
           </p:nvPr>
         </p:nvSpPr>
-        <p:spPr/>
-        <p:txBody>
-          <a:bodyPr>
+        <p:spPr>
+          <a:xfrm>
+            <a:off x="0" y="2084851"/>
+            <a:ext cx="12192000" cy="2404863"/>
+          </a:xfrm>
+        </p:spPr>
+        <p:txBody>
+          <a:bodyPr anchor="ctr">
             <a:normAutofit/>
           </a:bodyPr>
           <a:lstStyle/>
@@ -3287,7 +3241,104 @@
               <a:buNone/>
             </a:pPr>
             <a:r>
-              <a:rPr lang="zh-CN" altLang="en-US" sz="5400" b="1" dirty="0" smtClean="0">
+              <a:rPr lang="zh-CN" altLang="en-US" sz="6400" b="1" dirty="0">
+                <a:solidFill>
+                  <a:srgbClr val="660033"/>
+                </a:solidFill>
+                <a:latin typeface="微軟正黑體" pitchFamily="34" charset="-120"/>
+                <a:ea typeface="微軟正黑體" pitchFamily="34" charset="-120"/>
+              </a:rPr>
+              <a:t>每日歡喜祈禱感謝主</a:t>
+            </a:r>
+            <a:endParaRPr lang="en-US" altLang="zh-CN" sz="6400" b="1" dirty="0">
+              <a:solidFill>
+                <a:srgbClr val="660033"/>
+              </a:solidFill>
+              <a:latin typeface="微軟正黑體" pitchFamily="34" charset="-120"/>
+              <a:ea typeface="微軟正黑體" pitchFamily="34" charset="-120"/>
+            </a:endParaRPr>
+          </a:p>
+          <a:p>
+            <a:pPr algn="ctr">
+              <a:buNone/>
+            </a:pPr>
+            <a:r>
+              <a:rPr lang="zh-CN" altLang="en-US" sz="6400" b="1" dirty="0">
+                <a:solidFill>
+                  <a:srgbClr val="660033"/>
+                </a:solidFill>
+                <a:latin typeface="微軟正黑體" pitchFamily="34" charset="-120"/>
+                <a:ea typeface="微軟正黑體" pitchFamily="34" charset="-120"/>
+              </a:rPr>
+              <a:t>過著平安得勝的日子</a:t>
+            </a:r>
+            <a:endParaRPr lang="zh-TW" altLang="en-US" sz="6400" b="1" dirty="0">
+              <a:solidFill>
+                <a:srgbClr val="660033"/>
+              </a:solidFill>
+              <a:latin typeface="微軟正黑體" pitchFamily="34" charset="-120"/>
+              <a:ea typeface="微軟正黑體" pitchFamily="34" charset="-120"/>
+            </a:endParaRPr>
+          </a:p>
+        </p:txBody>
+      </p:sp>
+    </p:spTree>
+    <p:extLst>
+      <p:ext uri="{BB962C8B-B14F-4D97-AF65-F5344CB8AC3E}">
+        <p14:creationId xmlns:p14="http://schemas.microsoft.com/office/powerpoint/2010/main" val="453061431"/>
+      </p:ext>
+    </p:extLst>
+  </p:cSld>
+  <p:clrMapOvr>
+    <a:masterClrMapping/>
+  </p:clrMapOvr>
+</p:sld>
+</file>
+
+<file path=ppt/slides/slide4.xml><?xml version="1.0" encoding="utf-8"?>
+<p:sld xmlns:a="http://schemas.openxmlformats.org/drawingml/2006/main" xmlns:r="http://schemas.openxmlformats.org/officeDocument/2006/relationships" xmlns:p="http://schemas.openxmlformats.org/presentationml/2006/main">
+  <p:cSld>
+    <p:spTree>
+      <p:nvGrpSpPr>
+        <p:cNvPr id="1" name=""/>
+        <p:cNvGrpSpPr/>
+        <p:nvPr/>
+      </p:nvGrpSpPr>
+      <p:grpSpPr>
+        <a:xfrm>
+          <a:off x="0" y="0"/>
+          <a:ext cx="0" cy="0"/>
+          <a:chOff x="0" y="0"/>
+          <a:chExt cx="0" cy="0"/>
+        </a:xfrm>
+      </p:grpSpPr>
+      <p:sp>
+        <p:nvSpPr>
+          <p:cNvPr id="5" name="內容版面配置區 4"/>
+          <p:cNvSpPr>
+            <a:spLocks noGrp="1"/>
+          </p:cNvSpPr>
+          <p:nvPr>
+            <p:ph idx="1"/>
+          </p:nvPr>
+        </p:nvSpPr>
+        <p:spPr>
+          <a:xfrm>
+            <a:off x="0" y="2084851"/>
+            <a:ext cx="12192000" cy="2404863"/>
+          </a:xfrm>
+        </p:spPr>
+        <p:txBody>
+          <a:bodyPr anchor="ctr">
+            <a:normAutofit/>
+          </a:bodyPr>
+          <a:lstStyle/>
+          <a:p>
+            <a:pPr algn="ctr">
+              <a:buNone/>
+            </a:pPr>
+            <a:r>
+              <a:rPr lang="zh-CN" altLang="en-US" sz="6400" b="1" dirty="0">
                 <a:solidFill>
                   <a:srgbClr val="660033"/>
                 </a:solidFill>
@@ -3296,7 +3347,7 @@
               </a:rPr>
               <a:t>嘿呀嘿  讚美造物主</a:t>
             </a:r>
-            <a:endParaRPr lang="en-US" altLang="zh-CN" sz="5400" b="1" dirty="0" smtClean="0">
+            <a:endParaRPr lang="en-US" altLang="zh-CN" sz="6400" b="1" dirty="0">
               <a:solidFill>
                 <a:srgbClr val="660033"/>
               </a:solidFill>
@@ -3309,26 +3360,91 @@
               <a:buNone/>
             </a:pPr>
             <a:r>
-              <a:rPr lang="zh-CN" altLang="en-US" sz="5400" b="1" dirty="0" smtClean="0">
+              <a:rPr lang="zh-CN" altLang="en-US" sz="6400" b="1" dirty="0">
                 <a:solidFill>
                   <a:srgbClr val="660033"/>
                 </a:solidFill>
                 <a:latin typeface="微軟正黑體" pitchFamily="34" charset="-120"/>
                 <a:ea typeface="微軟正黑體" pitchFamily="34" charset="-120"/>
               </a:rPr>
-              <a:t>凡</a:t>
-            </a:r>
-            <a:r>
-              <a:rPr lang="zh-CN" altLang="en-US" sz="5400" b="1" dirty="0" smtClean="0">
+              <a:t>凡有氣息的都要讚美祂</a:t>
+            </a:r>
+            <a:endParaRPr lang="en-US" altLang="zh-CN" sz="6400" b="1" dirty="0">
+              <a:solidFill>
+                <a:srgbClr val="660033"/>
+              </a:solidFill>
+              <a:latin typeface="微軟正黑體" pitchFamily="34" charset="-120"/>
+              <a:ea typeface="微軟正黑體" pitchFamily="34" charset="-120"/>
+            </a:endParaRPr>
+          </a:p>
+        </p:txBody>
+      </p:sp>
+    </p:spTree>
+    <p:extLst>
+      <p:ext uri="{BB962C8B-B14F-4D97-AF65-F5344CB8AC3E}">
+        <p14:creationId xmlns:p14="http://schemas.microsoft.com/office/powerpoint/2010/main" val="2026993909"/>
+      </p:ext>
+    </p:extLst>
+  </p:cSld>
+  <p:clrMapOvr>
+    <a:masterClrMapping/>
+  </p:clrMapOvr>
+</p:sld>
+</file>
+
+<file path=ppt/slides/slide5.xml><?xml version="1.0" encoding="utf-8"?>
+<p:sld xmlns:a="http://schemas.openxmlformats.org/drawingml/2006/main" xmlns:r="http://schemas.openxmlformats.org/officeDocument/2006/relationships" xmlns:p="http://schemas.openxmlformats.org/presentationml/2006/main">
+  <p:cSld>
+    <p:spTree>
+      <p:nvGrpSpPr>
+        <p:cNvPr id="1" name=""/>
+        <p:cNvGrpSpPr/>
+        <p:nvPr/>
+      </p:nvGrpSpPr>
+      <p:grpSpPr>
+        <a:xfrm>
+          <a:off x="0" y="0"/>
+          <a:ext cx="0" cy="0"/>
+          <a:chOff x="0" y="0"/>
+          <a:chExt cx="0" cy="0"/>
+        </a:xfrm>
+      </p:grpSpPr>
+      <p:sp>
+        <p:nvSpPr>
+          <p:cNvPr id="5" name="內容版面配置區 4"/>
+          <p:cNvSpPr>
+            <a:spLocks noGrp="1"/>
+          </p:cNvSpPr>
+          <p:nvPr>
+            <p:ph idx="1"/>
+          </p:nvPr>
+        </p:nvSpPr>
+        <p:spPr>
+          <a:xfrm>
+            <a:off x="0" y="2084851"/>
+            <a:ext cx="12192000" cy="2404863"/>
+          </a:xfrm>
+        </p:spPr>
+        <p:txBody>
+          <a:bodyPr anchor="ctr">
+            <a:normAutofit/>
+          </a:bodyPr>
+          <a:lstStyle/>
+          <a:p>
+            <a:pPr algn="ctr">
+              <a:buNone/>
+            </a:pPr>
+            <a:r>
+              <a:rPr lang="zh-CN" altLang="en-US" sz="6400" b="1" dirty="0">
                 <a:solidFill>
                   <a:srgbClr val="660033"/>
                 </a:solidFill>
                 <a:latin typeface="微軟正黑體" pitchFamily="34" charset="-120"/>
                 <a:ea typeface="微軟正黑體" pitchFamily="34" charset="-120"/>
               </a:rPr>
-              <a:t>有氣息的都要讚美祂</a:t>
-            </a:r>
-            <a:endParaRPr lang="en-US" altLang="zh-CN" sz="5400" b="1" dirty="0" smtClean="0">
+              <a:t>嘿呀嘿  感謝造物主</a:t>
+            </a:r>
+            <a:endParaRPr lang="en-US" altLang="zh-CN" sz="6400" b="1" dirty="0">
               <a:solidFill>
                 <a:srgbClr val="660033"/>
               </a:solidFill>
@@ -3341,39 +3457,7 @@
               <a:buNone/>
             </a:pPr>
             <a:r>
-              <a:rPr lang="zh-CN" altLang="en-US" sz="5400" b="1" dirty="0" smtClean="0">
-                <a:solidFill>
-                  <a:srgbClr val="660033"/>
-                </a:solidFill>
-                <a:latin typeface="微軟正黑體" pitchFamily="34" charset="-120"/>
-                <a:ea typeface="微軟正黑體" pitchFamily="34" charset="-120"/>
-              </a:rPr>
-              <a:t>嘿呀嘿  </a:t>
-            </a:r>
-            <a:r>
-              <a:rPr lang="zh-CN" altLang="en-US" sz="5400" b="1" dirty="0" smtClean="0">
-                <a:solidFill>
-                  <a:srgbClr val="660033"/>
-                </a:solidFill>
-                <a:latin typeface="微軟正黑體" pitchFamily="34" charset="-120"/>
-                <a:ea typeface="微軟正黑體" pitchFamily="34" charset="-120"/>
-              </a:rPr>
-              <a:t>感謝造物主</a:t>
-            </a:r>
-            <a:endParaRPr lang="en-US" altLang="zh-CN" sz="5400" b="1" dirty="0" smtClean="0">
-              <a:solidFill>
-                <a:srgbClr val="660033"/>
-              </a:solidFill>
-              <a:latin typeface="微軟正黑體" pitchFamily="34" charset="-120"/>
-              <a:ea typeface="微軟正黑體" pitchFamily="34" charset="-120"/>
-            </a:endParaRPr>
-          </a:p>
-          <a:p>
-            <a:pPr algn="ctr">
-              <a:buNone/>
-            </a:pPr>
-            <a:r>
-              <a:rPr lang="zh-CN" altLang="en-US" sz="5400" b="1" dirty="0" smtClean="0">
+              <a:rPr lang="zh-CN" altLang="en-US" sz="6400" b="1" dirty="0">
                 <a:solidFill>
                   <a:srgbClr val="660033"/>
                 </a:solidFill>
@@ -3382,7 +3466,7 @@
               </a:rPr>
               <a:t>萬物向主敬拜</a:t>
             </a:r>
-            <a:endParaRPr lang="zh-TW" altLang="en-US" sz="5400" b="1" dirty="0">
+            <a:endParaRPr lang="zh-TW" altLang="en-US" sz="6400" b="1" dirty="0">
               <a:solidFill>
                 <a:srgbClr val="660033"/>
               </a:solidFill>
@@ -3393,6 +3477,11 @@
         </p:txBody>
       </p:sp>
     </p:spTree>
+    <p:extLst>
+      <p:ext uri="{BB962C8B-B14F-4D97-AF65-F5344CB8AC3E}">
+        <p14:creationId xmlns:p14="http://schemas.microsoft.com/office/powerpoint/2010/main" val="397416628"/>
+      </p:ext>
+    </p:extLst>
   </p:cSld>
   <p:clrMapOvr>
     <a:masterClrMapping/>
